--- a/ConceptualDAO.pptx
+++ b/ConceptualDAO.pptx
@@ -24,6 +24,15 @@
     <p:sldId id="273" r:id="rId18"/>
     <p:sldId id="275" r:id="rId19"/>
     <p:sldId id="276" r:id="rId20"/>
+    <p:sldId id="278" r:id="rId21"/>
+    <p:sldId id="279" r:id="rId22"/>
+    <p:sldId id="280" r:id="rId23"/>
+    <p:sldId id="281" r:id="rId24"/>
+    <p:sldId id="282" r:id="rId25"/>
+    <p:sldId id="283" r:id="rId26"/>
+    <p:sldId id="284" r:id="rId27"/>
+    <p:sldId id="285" r:id="rId28"/>
+    <p:sldId id="286" r:id="rId29"/>
   </p:sldIdLst>
   <p:sldSz cx="12192000" cy="6858000"/>
   <p:notesSz cx="6858000" cy="9144000"/>
@@ -261,7 +270,7 @@
           <a:p>
             <a:fld id="{E5D69D72-8E21-4178-8D0B-39073E4172F6}" type="datetimeFigureOut">
               <a:rPr lang="fr-BE" smtClean="0"/>
-              <a:t>23-10-20</a:t>
+              <a:t>27-10-20</a:t>
             </a:fld>
             <a:endParaRPr lang="fr-BE"/>
           </a:p>
@@ -431,7 +440,7 @@
           <a:p>
             <a:fld id="{E5D69D72-8E21-4178-8D0B-39073E4172F6}" type="datetimeFigureOut">
               <a:rPr lang="fr-BE" smtClean="0"/>
-              <a:t>23-10-20</a:t>
+              <a:t>27-10-20</a:t>
             </a:fld>
             <a:endParaRPr lang="fr-BE"/>
           </a:p>
@@ -611,7 +620,7 @@
           <a:p>
             <a:fld id="{E5D69D72-8E21-4178-8D0B-39073E4172F6}" type="datetimeFigureOut">
               <a:rPr lang="fr-BE" smtClean="0"/>
-              <a:t>23-10-20</a:t>
+              <a:t>27-10-20</a:t>
             </a:fld>
             <a:endParaRPr lang="fr-BE"/>
           </a:p>
@@ -781,7 +790,7 @@
           <a:p>
             <a:fld id="{E5D69D72-8E21-4178-8D0B-39073E4172F6}" type="datetimeFigureOut">
               <a:rPr lang="fr-BE" smtClean="0"/>
-              <a:t>23-10-20</a:t>
+              <a:t>27-10-20</a:t>
             </a:fld>
             <a:endParaRPr lang="fr-BE"/>
           </a:p>
@@ -1027,7 +1036,7 @@
           <a:p>
             <a:fld id="{E5D69D72-8E21-4178-8D0B-39073E4172F6}" type="datetimeFigureOut">
               <a:rPr lang="fr-BE" smtClean="0"/>
-              <a:t>23-10-20</a:t>
+              <a:t>27-10-20</a:t>
             </a:fld>
             <a:endParaRPr lang="fr-BE"/>
           </a:p>
@@ -1259,7 +1268,7 @@
           <a:p>
             <a:fld id="{E5D69D72-8E21-4178-8D0B-39073E4172F6}" type="datetimeFigureOut">
               <a:rPr lang="fr-BE" smtClean="0"/>
-              <a:t>23-10-20</a:t>
+              <a:t>27-10-20</a:t>
             </a:fld>
             <a:endParaRPr lang="fr-BE"/>
           </a:p>
@@ -1626,7 +1635,7 @@
           <a:p>
             <a:fld id="{E5D69D72-8E21-4178-8D0B-39073E4172F6}" type="datetimeFigureOut">
               <a:rPr lang="fr-BE" smtClean="0"/>
-              <a:t>23-10-20</a:t>
+              <a:t>27-10-20</a:t>
             </a:fld>
             <a:endParaRPr lang="fr-BE"/>
           </a:p>
@@ -1744,7 +1753,7 @@
           <a:p>
             <a:fld id="{E5D69D72-8E21-4178-8D0B-39073E4172F6}" type="datetimeFigureOut">
               <a:rPr lang="fr-BE" smtClean="0"/>
-              <a:t>23-10-20</a:t>
+              <a:t>27-10-20</a:t>
             </a:fld>
             <a:endParaRPr lang="fr-BE"/>
           </a:p>
@@ -1839,7 +1848,7 @@
           <a:p>
             <a:fld id="{E5D69D72-8E21-4178-8D0B-39073E4172F6}" type="datetimeFigureOut">
               <a:rPr lang="fr-BE" smtClean="0"/>
-              <a:t>23-10-20</a:t>
+              <a:t>27-10-20</a:t>
             </a:fld>
             <a:endParaRPr lang="fr-BE"/>
           </a:p>
@@ -2116,7 +2125,7 @@
           <a:p>
             <a:fld id="{E5D69D72-8E21-4178-8D0B-39073E4172F6}" type="datetimeFigureOut">
               <a:rPr lang="fr-BE" smtClean="0"/>
-              <a:t>23-10-20</a:t>
+              <a:t>27-10-20</a:t>
             </a:fld>
             <a:endParaRPr lang="fr-BE"/>
           </a:p>
@@ -2369,7 +2378,7 @@
           <a:p>
             <a:fld id="{E5D69D72-8E21-4178-8D0B-39073E4172F6}" type="datetimeFigureOut">
               <a:rPr lang="fr-BE" smtClean="0"/>
-              <a:t>23-10-20</a:t>
+              <a:t>27-10-20</a:t>
             </a:fld>
             <a:endParaRPr lang="fr-BE"/>
           </a:p>
@@ -2582,7 +2591,7 @@
           <a:p>
             <a:fld id="{E5D69D72-8E21-4178-8D0B-39073E4172F6}" type="datetimeFigureOut">
               <a:rPr lang="fr-BE" smtClean="0"/>
-              <a:t>23-10-20</a:t>
+              <a:t>27-10-20</a:t>
             </a:fld>
             <a:endParaRPr lang="fr-BE"/>
           </a:p>
@@ -4156,6 +4165,911 @@
 </p:sld>
 </file>
 
+<file path=ppt/slides/slide20.xml><?xml version="1.0" encoding="utf-8"?>
+<p:sld xmlns:a="http://schemas.openxmlformats.org/drawingml/2006/main" xmlns:r="http://schemas.openxmlformats.org/officeDocument/2006/relationships" xmlns:p="http://schemas.openxmlformats.org/presentationml/2006/main">
+  <p:cSld>
+    <p:spTree>
+      <p:nvGrpSpPr>
+        <p:cNvPr id="1" name=""/>
+        <p:cNvGrpSpPr/>
+        <p:nvPr/>
+      </p:nvGrpSpPr>
+      <p:grpSpPr>
+        <a:xfrm>
+          <a:off x="0" y="0"/>
+          <a:ext cx="0" cy="0"/>
+          <a:chOff x="0" y="0"/>
+          <a:chExt cx="0" cy="0"/>
+        </a:xfrm>
+      </p:grpSpPr>
+      <p:sp>
+        <p:nvSpPr>
+          <p:cNvPr id="8" name="Titre 1"/>
+          <p:cNvSpPr>
+            <a:spLocks noGrp="1"/>
+          </p:cNvSpPr>
+          <p:nvPr>
+            <p:ph type="title"/>
+          </p:nvPr>
+        </p:nvSpPr>
+        <p:spPr>
+          <a:xfrm>
+            <a:off x="716280" y="0"/>
+            <a:ext cx="10515600" cy="1325563"/>
+          </a:xfrm>
+        </p:spPr>
+        <p:txBody>
+          <a:bodyPr>
+            <a:normAutofit/>
+          </a:bodyPr>
+          <a:lstStyle/>
+          <a:p>
+            <a:r>
+              <a:rPr lang="fr-BE" sz="3600" dirty="0" smtClean="0"/>
+              <a:t>Génération des </a:t>
+            </a:r>
+            <a:r>
+              <a:rPr lang="fr-BE" sz="3600" dirty="0" err="1" smtClean="0"/>
+              <a:t>DAOs</a:t>
+            </a:r>
+            <a:r>
+              <a:rPr lang="fr-BE" sz="3600" dirty="0" smtClean="0"/>
+              <a:t> conceptuels – </a:t>
+            </a:r>
+            <a:r>
+              <a:rPr lang="fr-BE" sz="3600" dirty="0" smtClean="0"/>
+              <a:t>Insertion</a:t>
+            </a:r>
+            <a:endParaRPr lang="fr-BE" sz="3600" dirty="0"/>
+          </a:p>
+        </p:txBody>
+      </p:sp>
+    </p:spTree>
+    <p:extLst>
+      <p:ext uri="{BB962C8B-B14F-4D97-AF65-F5344CB8AC3E}">
+        <p14:creationId xmlns:p14="http://schemas.microsoft.com/office/powerpoint/2010/main" val="1115189681"/>
+      </p:ext>
+    </p:extLst>
+  </p:cSld>
+  <p:clrMapOvr>
+    <a:masterClrMapping/>
+  </p:clrMapOvr>
+  <p:timing>
+    <p:tnLst>
+      <p:par>
+        <p:cTn id="1" dur="indefinite" restart="never" nodeType="tmRoot"/>
+      </p:par>
+    </p:tnLst>
+  </p:timing>
+</p:sld>
+</file>
+
+<file path=ppt/slides/slide21.xml><?xml version="1.0" encoding="utf-8"?>
+<p:sld xmlns:a="http://schemas.openxmlformats.org/drawingml/2006/main" xmlns:r="http://schemas.openxmlformats.org/officeDocument/2006/relationships" xmlns:p="http://schemas.openxmlformats.org/presentationml/2006/main">
+  <p:cSld>
+    <p:spTree>
+      <p:nvGrpSpPr>
+        <p:cNvPr id="1" name=""/>
+        <p:cNvGrpSpPr/>
+        <p:nvPr/>
+      </p:nvGrpSpPr>
+      <p:grpSpPr>
+        <a:xfrm>
+          <a:off x="0" y="0"/>
+          <a:ext cx="0" cy="0"/>
+          <a:chOff x="0" y="0"/>
+          <a:chExt cx="0" cy="0"/>
+        </a:xfrm>
+      </p:grpSpPr>
+      <p:sp>
+        <p:nvSpPr>
+          <p:cNvPr id="8" name="Titre 1"/>
+          <p:cNvSpPr>
+            <a:spLocks noGrp="1"/>
+          </p:cNvSpPr>
+          <p:nvPr>
+            <p:ph type="title"/>
+          </p:nvPr>
+        </p:nvSpPr>
+        <p:spPr>
+          <a:xfrm>
+            <a:off x="716280" y="0"/>
+            <a:ext cx="10515600" cy="1325563"/>
+          </a:xfrm>
+        </p:spPr>
+        <p:txBody>
+          <a:bodyPr>
+            <a:normAutofit/>
+          </a:bodyPr>
+          <a:lstStyle/>
+          <a:p>
+            <a:r>
+              <a:rPr lang="fr-BE" sz="3600" dirty="0" smtClean="0"/>
+              <a:t>Génération des </a:t>
+            </a:r>
+            <a:r>
+              <a:rPr lang="fr-BE" sz="3600" dirty="0" err="1" smtClean="0"/>
+              <a:t>DAOs</a:t>
+            </a:r>
+            <a:r>
+              <a:rPr lang="fr-BE" sz="3600" dirty="0" smtClean="0"/>
+              <a:t> conceptuels – </a:t>
+            </a:r>
+            <a:r>
+              <a:rPr lang="fr-BE" sz="3600" dirty="0" smtClean="0"/>
+              <a:t>Insertion</a:t>
+            </a:r>
+            <a:endParaRPr lang="fr-BE" sz="3600" dirty="0"/>
+          </a:p>
+        </p:txBody>
+      </p:sp>
+      <p:sp>
+        <p:nvSpPr>
+          <p:cNvPr id="2" name="ZoneTexte 1"/>
+          <p:cNvSpPr txBox="1"/>
+          <p:nvPr/>
+        </p:nvSpPr>
+        <p:spPr>
+          <a:xfrm>
+            <a:off x="716280" y="2069822"/>
+            <a:ext cx="10299422" cy="2862322"/>
+          </a:xfrm>
+          <a:prstGeom prst="rect">
+            <a:avLst/>
+          </a:prstGeom>
+          <a:noFill/>
+        </p:spPr>
+        <p:txBody>
+          <a:bodyPr wrap="square" rtlCol="0">
+            <a:spAutoFit/>
+          </a:bodyPr>
+          <a:lstStyle/>
+          <a:p>
+            <a:r>
+              <a:rPr lang="fr-BE" dirty="0" smtClean="0"/>
+              <a:t>Quatre types d’insertions:</a:t>
+            </a:r>
+          </a:p>
+          <a:p>
+            <a:endParaRPr lang="fr-BE" dirty="0" smtClean="0"/>
+          </a:p>
+          <a:p>
+            <a:r>
+              <a:rPr lang="fr-BE" dirty="0"/>
+              <a:t> </a:t>
+            </a:r>
+            <a:r>
+              <a:rPr lang="fr-BE" dirty="0" smtClean="0"/>
+              <a:t>1) Simple insertion d’un nouvel objet. Ex: j’insère un nouveau client</a:t>
+            </a:r>
+          </a:p>
+          <a:p>
+            <a:endParaRPr lang="fr-BE" dirty="0" smtClean="0"/>
+          </a:p>
+          <a:p>
+            <a:r>
+              <a:rPr lang="fr-BE" dirty="0" smtClean="0"/>
+              <a:t> 2) Insertion en cascade d’un nouvel objet. Ex: j’insère un nouveau client et son adresse, et ses commandes, et les détails des commandes, … </a:t>
+            </a:r>
+          </a:p>
+          <a:p>
+            <a:endParaRPr lang="fr-BE" dirty="0" smtClean="0"/>
+          </a:p>
+          <a:p>
+            <a:r>
+              <a:rPr lang="fr-BE" dirty="0" smtClean="0"/>
+              <a:t> 3) Attachement d’un nouvel objet à un existant. Ex: je rajoute une commande à un client existant</a:t>
+            </a:r>
+          </a:p>
+          <a:p>
+            <a:endParaRPr lang="fr-BE" dirty="0" smtClean="0"/>
+          </a:p>
+          <a:p>
+            <a:r>
+              <a:rPr lang="fr-BE" dirty="0"/>
+              <a:t> </a:t>
+            </a:r>
+            <a:r>
+              <a:rPr lang="fr-BE" dirty="0" smtClean="0"/>
+              <a:t>4) (Attachement en cascade. Ex: je rajoute une commande, ainsi que ses détails, à un client existant)  </a:t>
+            </a:r>
+            <a:endParaRPr lang="fr-BE" dirty="0"/>
+          </a:p>
+        </p:txBody>
+      </p:sp>
+    </p:spTree>
+    <p:extLst>
+      <p:ext uri="{BB962C8B-B14F-4D97-AF65-F5344CB8AC3E}">
+        <p14:creationId xmlns:p14="http://schemas.microsoft.com/office/powerpoint/2010/main" val="4133329964"/>
+      </p:ext>
+    </p:extLst>
+  </p:cSld>
+  <p:clrMapOvr>
+    <a:masterClrMapping/>
+  </p:clrMapOvr>
+  <p:timing>
+    <p:tnLst>
+      <p:par>
+        <p:cTn id="1" dur="indefinite" restart="never" nodeType="tmRoot"/>
+      </p:par>
+    </p:tnLst>
+  </p:timing>
+</p:sld>
+</file>
+
+<file path=ppt/slides/slide22.xml><?xml version="1.0" encoding="utf-8"?>
+<p:sld xmlns:a="http://schemas.openxmlformats.org/drawingml/2006/main" xmlns:r="http://schemas.openxmlformats.org/officeDocument/2006/relationships" xmlns:p="http://schemas.openxmlformats.org/presentationml/2006/main">
+  <p:cSld>
+    <p:spTree>
+      <p:nvGrpSpPr>
+        <p:cNvPr id="1" name=""/>
+        <p:cNvGrpSpPr/>
+        <p:nvPr/>
+      </p:nvGrpSpPr>
+      <p:grpSpPr>
+        <a:xfrm>
+          <a:off x="0" y="0"/>
+          <a:ext cx="0" cy="0"/>
+          <a:chOff x="0" y="0"/>
+          <a:chExt cx="0" cy="0"/>
+        </a:xfrm>
+      </p:grpSpPr>
+      <p:sp>
+        <p:nvSpPr>
+          <p:cNvPr id="8" name="Titre 1"/>
+          <p:cNvSpPr>
+            <a:spLocks noGrp="1"/>
+          </p:cNvSpPr>
+          <p:nvPr>
+            <p:ph type="title"/>
+          </p:nvPr>
+        </p:nvSpPr>
+        <p:spPr>
+          <a:xfrm>
+            <a:off x="716280" y="0"/>
+            <a:ext cx="10515600" cy="1325563"/>
+          </a:xfrm>
+        </p:spPr>
+        <p:txBody>
+          <a:bodyPr>
+            <a:normAutofit/>
+          </a:bodyPr>
+          <a:lstStyle/>
+          <a:p>
+            <a:r>
+              <a:rPr lang="fr-BE" sz="3600" dirty="0" smtClean="0"/>
+              <a:t>Génération des </a:t>
+            </a:r>
+            <a:r>
+              <a:rPr lang="fr-BE" sz="3600" dirty="0" err="1" smtClean="0"/>
+              <a:t>DAOs</a:t>
+            </a:r>
+            <a:r>
+              <a:rPr lang="fr-BE" sz="3600" dirty="0" smtClean="0"/>
+              <a:t> conceptuels – </a:t>
+            </a:r>
+            <a:r>
+              <a:rPr lang="fr-BE" sz="3600" dirty="0" smtClean="0"/>
+              <a:t>Insertion</a:t>
+            </a:r>
+            <a:endParaRPr lang="fr-BE" sz="3600" dirty="0"/>
+          </a:p>
+        </p:txBody>
+      </p:sp>
+      <p:pic>
+        <p:nvPicPr>
+          <p:cNvPr id="3" name="Image 2"/>
+          <p:cNvPicPr>
+            <a:picLocks noChangeAspect="1"/>
+          </p:cNvPicPr>
+          <p:nvPr/>
+        </p:nvPicPr>
+        <p:blipFill>
+          <a:blip r:embed="rId2"/>
+          <a:stretch>
+            <a:fillRect/>
+          </a:stretch>
+        </p:blipFill>
+        <p:spPr>
+          <a:xfrm>
+            <a:off x="716280" y="1145032"/>
+            <a:ext cx="10731545" cy="5791890"/>
+          </a:xfrm>
+          <a:prstGeom prst="rect">
+            <a:avLst/>
+          </a:prstGeom>
+        </p:spPr>
+      </p:pic>
+    </p:spTree>
+    <p:extLst>
+      <p:ext uri="{BB962C8B-B14F-4D97-AF65-F5344CB8AC3E}">
+        <p14:creationId xmlns:p14="http://schemas.microsoft.com/office/powerpoint/2010/main" val="2191918838"/>
+      </p:ext>
+    </p:extLst>
+  </p:cSld>
+  <p:clrMapOvr>
+    <a:masterClrMapping/>
+  </p:clrMapOvr>
+  <p:timing>
+    <p:tnLst>
+      <p:par>
+        <p:cTn id="1" dur="indefinite" restart="never" nodeType="tmRoot"/>
+      </p:par>
+    </p:tnLst>
+  </p:timing>
+</p:sld>
+</file>
+
+<file path=ppt/slides/slide23.xml><?xml version="1.0" encoding="utf-8"?>
+<p:sld xmlns:a="http://schemas.openxmlformats.org/drawingml/2006/main" xmlns:r="http://schemas.openxmlformats.org/officeDocument/2006/relationships" xmlns:p="http://schemas.openxmlformats.org/presentationml/2006/main">
+  <p:cSld>
+    <p:spTree>
+      <p:nvGrpSpPr>
+        <p:cNvPr id="1" name=""/>
+        <p:cNvGrpSpPr/>
+        <p:nvPr/>
+      </p:nvGrpSpPr>
+      <p:grpSpPr>
+        <a:xfrm>
+          <a:off x="0" y="0"/>
+          <a:ext cx="0" cy="0"/>
+          <a:chOff x="0" y="0"/>
+          <a:chExt cx="0" cy="0"/>
+        </a:xfrm>
+      </p:grpSpPr>
+      <p:sp>
+        <p:nvSpPr>
+          <p:cNvPr id="8" name="Titre 1"/>
+          <p:cNvSpPr>
+            <a:spLocks noGrp="1"/>
+          </p:cNvSpPr>
+          <p:nvPr>
+            <p:ph type="title"/>
+          </p:nvPr>
+        </p:nvSpPr>
+        <p:spPr>
+          <a:xfrm>
+            <a:off x="716280" y="0"/>
+            <a:ext cx="10515600" cy="1325563"/>
+          </a:xfrm>
+        </p:spPr>
+        <p:txBody>
+          <a:bodyPr>
+            <a:normAutofit/>
+          </a:bodyPr>
+          <a:lstStyle/>
+          <a:p>
+            <a:r>
+              <a:rPr lang="fr-BE" sz="3600" dirty="0" smtClean="0"/>
+              <a:t>Génération des </a:t>
+            </a:r>
+            <a:r>
+              <a:rPr lang="fr-BE" sz="3600" dirty="0" err="1" smtClean="0"/>
+              <a:t>DAOs</a:t>
+            </a:r>
+            <a:r>
+              <a:rPr lang="fr-BE" sz="3600" dirty="0" smtClean="0"/>
+              <a:t> conceptuels – </a:t>
+            </a:r>
+            <a:r>
+              <a:rPr lang="fr-BE" sz="3600" dirty="0" smtClean="0"/>
+              <a:t>Insertion</a:t>
+            </a:r>
+            <a:endParaRPr lang="fr-BE" sz="3600" dirty="0"/>
+          </a:p>
+        </p:txBody>
+      </p:sp>
+      <p:pic>
+        <p:nvPicPr>
+          <p:cNvPr id="2" name="Image 1"/>
+          <p:cNvPicPr>
+            <a:picLocks noChangeAspect="1"/>
+          </p:cNvPicPr>
+          <p:nvPr/>
+        </p:nvPicPr>
+        <p:blipFill>
+          <a:blip r:embed="rId2"/>
+          <a:stretch>
+            <a:fillRect/>
+          </a:stretch>
+        </p:blipFill>
+        <p:spPr>
+          <a:xfrm>
+            <a:off x="716280" y="902226"/>
+            <a:ext cx="9952128" cy="6270234"/>
+          </a:xfrm>
+          <a:prstGeom prst="rect">
+            <a:avLst/>
+          </a:prstGeom>
+        </p:spPr>
+      </p:pic>
+    </p:spTree>
+    <p:extLst>
+      <p:ext uri="{BB962C8B-B14F-4D97-AF65-F5344CB8AC3E}">
+        <p14:creationId xmlns:p14="http://schemas.microsoft.com/office/powerpoint/2010/main" val="483696026"/>
+      </p:ext>
+    </p:extLst>
+  </p:cSld>
+  <p:clrMapOvr>
+    <a:masterClrMapping/>
+  </p:clrMapOvr>
+  <p:timing>
+    <p:tnLst>
+      <p:par>
+        <p:cTn id="1" dur="indefinite" restart="never" nodeType="tmRoot"/>
+      </p:par>
+    </p:tnLst>
+  </p:timing>
+</p:sld>
+</file>
+
+<file path=ppt/slides/slide24.xml><?xml version="1.0" encoding="utf-8"?>
+<p:sld xmlns:a="http://schemas.openxmlformats.org/drawingml/2006/main" xmlns:r="http://schemas.openxmlformats.org/officeDocument/2006/relationships" xmlns:p="http://schemas.openxmlformats.org/presentationml/2006/main">
+  <p:cSld>
+    <p:spTree>
+      <p:nvGrpSpPr>
+        <p:cNvPr id="1" name=""/>
+        <p:cNvGrpSpPr/>
+        <p:nvPr/>
+      </p:nvGrpSpPr>
+      <p:grpSpPr>
+        <a:xfrm>
+          <a:off x="0" y="0"/>
+          <a:ext cx="0" cy="0"/>
+          <a:chOff x="0" y="0"/>
+          <a:chExt cx="0" cy="0"/>
+        </a:xfrm>
+      </p:grpSpPr>
+      <p:sp>
+        <p:nvSpPr>
+          <p:cNvPr id="8" name="Titre 1"/>
+          <p:cNvSpPr>
+            <a:spLocks noGrp="1"/>
+          </p:cNvSpPr>
+          <p:nvPr>
+            <p:ph type="title"/>
+          </p:nvPr>
+        </p:nvSpPr>
+        <p:spPr>
+          <a:xfrm>
+            <a:off x="716280" y="0"/>
+            <a:ext cx="10515600" cy="1325563"/>
+          </a:xfrm>
+        </p:spPr>
+        <p:txBody>
+          <a:bodyPr>
+            <a:normAutofit/>
+          </a:bodyPr>
+          <a:lstStyle/>
+          <a:p>
+            <a:r>
+              <a:rPr lang="fr-BE" sz="3600" dirty="0" smtClean="0"/>
+              <a:t>Génération des </a:t>
+            </a:r>
+            <a:r>
+              <a:rPr lang="fr-BE" sz="3600" dirty="0" err="1" smtClean="0"/>
+              <a:t>DAOs</a:t>
+            </a:r>
+            <a:r>
+              <a:rPr lang="fr-BE" sz="3600" dirty="0" smtClean="0"/>
+              <a:t> conceptuels – </a:t>
+            </a:r>
+            <a:r>
+              <a:rPr lang="fr-BE" sz="3600" dirty="0" smtClean="0"/>
+              <a:t>Insertion</a:t>
+            </a:r>
+            <a:endParaRPr lang="fr-BE" sz="3600" dirty="0"/>
+          </a:p>
+        </p:txBody>
+      </p:sp>
+      <p:pic>
+        <p:nvPicPr>
+          <p:cNvPr id="3" name="Image 2"/>
+          <p:cNvPicPr>
+            <a:picLocks noChangeAspect="1"/>
+          </p:cNvPicPr>
+          <p:nvPr/>
+        </p:nvPicPr>
+        <p:blipFill>
+          <a:blip r:embed="rId2"/>
+          <a:stretch>
+            <a:fillRect/>
+          </a:stretch>
+        </p:blipFill>
+        <p:spPr>
+          <a:xfrm>
+            <a:off x="721585" y="1117555"/>
+            <a:ext cx="10696575" cy="5876925"/>
+          </a:xfrm>
+          <a:prstGeom prst="rect">
+            <a:avLst/>
+          </a:prstGeom>
+        </p:spPr>
+      </p:pic>
+    </p:spTree>
+    <p:extLst>
+      <p:ext uri="{BB962C8B-B14F-4D97-AF65-F5344CB8AC3E}">
+        <p14:creationId xmlns:p14="http://schemas.microsoft.com/office/powerpoint/2010/main" val="3579791479"/>
+      </p:ext>
+    </p:extLst>
+  </p:cSld>
+  <p:clrMapOvr>
+    <a:masterClrMapping/>
+  </p:clrMapOvr>
+  <p:timing>
+    <p:tnLst>
+      <p:par>
+        <p:cTn id="1" dur="indefinite" restart="never" nodeType="tmRoot"/>
+      </p:par>
+    </p:tnLst>
+  </p:timing>
+</p:sld>
+</file>
+
+<file path=ppt/slides/slide25.xml><?xml version="1.0" encoding="utf-8"?>
+<p:sld xmlns:a="http://schemas.openxmlformats.org/drawingml/2006/main" xmlns:r="http://schemas.openxmlformats.org/officeDocument/2006/relationships" xmlns:p="http://schemas.openxmlformats.org/presentationml/2006/main">
+  <p:cSld>
+    <p:spTree>
+      <p:nvGrpSpPr>
+        <p:cNvPr id="1" name=""/>
+        <p:cNvGrpSpPr/>
+        <p:nvPr/>
+      </p:nvGrpSpPr>
+      <p:grpSpPr>
+        <a:xfrm>
+          <a:off x="0" y="0"/>
+          <a:ext cx="0" cy="0"/>
+          <a:chOff x="0" y="0"/>
+          <a:chExt cx="0" cy="0"/>
+        </a:xfrm>
+      </p:grpSpPr>
+      <p:sp>
+        <p:nvSpPr>
+          <p:cNvPr id="8" name="Titre 1"/>
+          <p:cNvSpPr>
+            <a:spLocks noGrp="1"/>
+          </p:cNvSpPr>
+          <p:nvPr>
+            <p:ph type="title"/>
+          </p:nvPr>
+        </p:nvSpPr>
+        <p:spPr>
+          <a:xfrm>
+            <a:off x="716280" y="0"/>
+            <a:ext cx="10515600" cy="1325563"/>
+          </a:xfrm>
+        </p:spPr>
+        <p:txBody>
+          <a:bodyPr>
+            <a:normAutofit/>
+          </a:bodyPr>
+          <a:lstStyle/>
+          <a:p>
+            <a:r>
+              <a:rPr lang="fr-BE" sz="3600" dirty="0" smtClean="0"/>
+              <a:t>Génération des </a:t>
+            </a:r>
+            <a:r>
+              <a:rPr lang="fr-BE" sz="3600" dirty="0" err="1" smtClean="0"/>
+              <a:t>DAOs</a:t>
+            </a:r>
+            <a:r>
+              <a:rPr lang="fr-BE" sz="3600" dirty="0" smtClean="0"/>
+              <a:t> conceptuels – </a:t>
+            </a:r>
+            <a:r>
+              <a:rPr lang="fr-BE" sz="3600" dirty="0" smtClean="0"/>
+              <a:t>Update</a:t>
+            </a:r>
+            <a:endParaRPr lang="fr-BE" sz="3600" dirty="0"/>
+          </a:p>
+        </p:txBody>
+      </p:sp>
+    </p:spTree>
+    <p:extLst>
+      <p:ext uri="{BB962C8B-B14F-4D97-AF65-F5344CB8AC3E}">
+        <p14:creationId xmlns:p14="http://schemas.microsoft.com/office/powerpoint/2010/main" val="3382424129"/>
+      </p:ext>
+    </p:extLst>
+  </p:cSld>
+  <p:clrMapOvr>
+    <a:masterClrMapping/>
+  </p:clrMapOvr>
+  <p:timing>
+    <p:tnLst>
+      <p:par>
+        <p:cTn id="1" dur="indefinite" restart="never" nodeType="tmRoot"/>
+      </p:par>
+    </p:tnLst>
+  </p:timing>
+</p:sld>
+</file>
+
+<file path=ppt/slides/slide26.xml><?xml version="1.0" encoding="utf-8"?>
+<p:sld xmlns:a="http://schemas.openxmlformats.org/drawingml/2006/main" xmlns:r="http://schemas.openxmlformats.org/officeDocument/2006/relationships" xmlns:p="http://schemas.openxmlformats.org/presentationml/2006/main">
+  <p:cSld>
+    <p:spTree>
+      <p:nvGrpSpPr>
+        <p:cNvPr id="1" name=""/>
+        <p:cNvGrpSpPr/>
+        <p:nvPr/>
+      </p:nvGrpSpPr>
+      <p:grpSpPr>
+        <a:xfrm>
+          <a:off x="0" y="0"/>
+          <a:ext cx="0" cy="0"/>
+          <a:chOff x="0" y="0"/>
+          <a:chExt cx="0" cy="0"/>
+        </a:xfrm>
+      </p:grpSpPr>
+      <p:sp>
+        <p:nvSpPr>
+          <p:cNvPr id="8" name="Titre 1"/>
+          <p:cNvSpPr>
+            <a:spLocks noGrp="1"/>
+          </p:cNvSpPr>
+          <p:nvPr>
+            <p:ph type="title"/>
+          </p:nvPr>
+        </p:nvSpPr>
+        <p:spPr>
+          <a:xfrm>
+            <a:off x="716280" y="0"/>
+            <a:ext cx="10515600" cy="1325563"/>
+          </a:xfrm>
+        </p:spPr>
+        <p:txBody>
+          <a:bodyPr>
+            <a:normAutofit/>
+          </a:bodyPr>
+          <a:lstStyle/>
+          <a:p>
+            <a:r>
+              <a:rPr lang="fr-BE" sz="3600" dirty="0" smtClean="0"/>
+              <a:t>Génération des </a:t>
+            </a:r>
+            <a:r>
+              <a:rPr lang="fr-BE" sz="3600" dirty="0" err="1" smtClean="0"/>
+              <a:t>DAOs</a:t>
+            </a:r>
+            <a:r>
+              <a:rPr lang="fr-BE" sz="3600" dirty="0" smtClean="0"/>
+              <a:t> conceptuels – </a:t>
+            </a:r>
+            <a:r>
+              <a:rPr lang="fr-BE" sz="3600" dirty="0" smtClean="0"/>
+              <a:t>Update</a:t>
+            </a:r>
+            <a:endParaRPr lang="fr-BE" sz="3600" dirty="0"/>
+          </a:p>
+        </p:txBody>
+      </p:sp>
+      <p:pic>
+        <p:nvPicPr>
+          <p:cNvPr id="2" name="Image 1"/>
+          <p:cNvPicPr>
+            <a:picLocks noChangeAspect="1"/>
+          </p:cNvPicPr>
+          <p:nvPr/>
+        </p:nvPicPr>
+        <p:blipFill>
+          <a:blip r:embed="rId2"/>
+          <a:stretch>
+            <a:fillRect/>
+          </a:stretch>
+        </p:blipFill>
+        <p:spPr>
+          <a:xfrm>
+            <a:off x="716280" y="1121908"/>
+            <a:ext cx="9772650" cy="5572125"/>
+          </a:xfrm>
+          <a:prstGeom prst="rect">
+            <a:avLst/>
+          </a:prstGeom>
+        </p:spPr>
+      </p:pic>
+    </p:spTree>
+    <p:extLst>
+      <p:ext uri="{BB962C8B-B14F-4D97-AF65-F5344CB8AC3E}">
+        <p14:creationId xmlns:p14="http://schemas.microsoft.com/office/powerpoint/2010/main" val="499670432"/>
+      </p:ext>
+    </p:extLst>
+  </p:cSld>
+  <p:clrMapOvr>
+    <a:masterClrMapping/>
+  </p:clrMapOvr>
+  <p:timing>
+    <p:tnLst>
+      <p:par>
+        <p:cTn id="1" dur="indefinite" restart="never" nodeType="tmRoot"/>
+      </p:par>
+    </p:tnLst>
+  </p:timing>
+</p:sld>
+</file>
+
+<file path=ppt/slides/slide27.xml><?xml version="1.0" encoding="utf-8"?>
+<p:sld xmlns:a="http://schemas.openxmlformats.org/drawingml/2006/main" xmlns:r="http://schemas.openxmlformats.org/officeDocument/2006/relationships" xmlns:p="http://schemas.openxmlformats.org/presentationml/2006/main">
+  <p:cSld>
+    <p:spTree>
+      <p:nvGrpSpPr>
+        <p:cNvPr id="1" name=""/>
+        <p:cNvGrpSpPr/>
+        <p:nvPr/>
+      </p:nvGrpSpPr>
+      <p:grpSpPr>
+        <a:xfrm>
+          <a:off x="0" y="0"/>
+          <a:ext cx="0" cy="0"/>
+          <a:chOff x="0" y="0"/>
+          <a:chExt cx="0" cy="0"/>
+        </a:xfrm>
+      </p:grpSpPr>
+      <p:sp>
+        <p:nvSpPr>
+          <p:cNvPr id="8" name="Titre 1"/>
+          <p:cNvSpPr>
+            <a:spLocks noGrp="1"/>
+          </p:cNvSpPr>
+          <p:nvPr>
+            <p:ph type="title"/>
+          </p:nvPr>
+        </p:nvSpPr>
+        <p:spPr>
+          <a:xfrm>
+            <a:off x="716280" y="0"/>
+            <a:ext cx="10515600" cy="1325563"/>
+          </a:xfrm>
+        </p:spPr>
+        <p:txBody>
+          <a:bodyPr>
+            <a:normAutofit/>
+          </a:bodyPr>
+          <a:lstStyle/>
+          <a:p>
+            <a:r>
+              <a:rPr lang="fr-BE" sz="3600" dirty="0" smtClean="0"/>
+              <a:t>Génération des </a:t>
+            </a:r>
+            <a:r>
+              <a:rPr lang="fr-BE" sz="3600" dirty="0" err="1" smtClean="0"/>
+              <a:t>DAOs</a:t>
+            </a:r>
+            <a:r>
+              <a:rPr lang="fr-BE" sz="3600" dirty="0" smtClean="0"/>
+              <a:t> conceptuels – </a:t>
+            </a:r>
+            <a:r>
+              <a:rPr lang="fr-BE" sz="3600" dirty="0" smtClean="0"/>
+              <a:t>Update</a:t>
+            </a:r>
+            <a:endParaRPr lang="fr-BE" sz="3600" dirty="0"/>
+          </a:p>
+        </p:txBody>
+      </p:sp>
+      <p:pic>
+        <p:nvPicPr>
+          <p:cNvPr id="3" name="Image 2"/>
+          <p:cNvPicPr>
+            <a:picLocks noChangeAspect="1"/>
+          </p:cNvPicPr>
+          <p:nvPr/>
+        </p:nvPicPr>
+        <p:blipFill>
+          <a:blip r:embed="rId2"/>
+          <a:stretch>
+            <a:fillRect/>
+          </a:stretch>
+        </p:blipFill>
+        <p:spPr>
+          <a:xfrm>
+            <a:off x="933450" y="1669055"/>
+            <a:ext cx="10325100" cy="4286250"/>
+          </a:xfrm>
+          <a:prstGeom prst="rect">
+            <a:avLst/>
+          </a:prstGeom>
+        </p:spPr>
+      </p:pic>
+    </p:spTree>
+    <p:extLst>
+      <p:ext uri="{BB962C8B-B14F-4D97-AF65-F5344CB8AC3E}">
+        <p14:creationId xmlns:p14="http://schemas.microsoft.com/office/powerpoint/2010/main" val="1322823783"/>
+      </p:ext>
+    </p:extLst>
+  </p:cSld>
+  <p:clrMapOvr>
+    <a:masterClrMapping/>
+  </p:clrMapOvr>
+  <p:timing>
+    <p:tnLst>
+      <p:par>
+        <p:cTn id="1" dur="indefinite" restart="never" nodeType="tmRoot"/>
+      </p:par>
+    </p:tnLst>
+  </p:timing>
+</p:sld>
+</file>
+
+<file path=ppt/slides/slide28.xml><?xml version="1.0" encoding="utf-8"?>
+<p:sld xmlns:a="http://schemas.openxmlformats.org/drawingml/2006/main" xmlns:r="http://schemas.openxmlformats.org/officeDocument/2006/relationships" xmlns:p="http://schemas.openxmlformats.org/presentationml/2006/main">
+  <p:cSld>
+    <p:spTree>
+      <p:nvGrpSpPr>
+        <p:cNvPr id="1" name=""/>
+        <p:cNvGrpSpPr/>
+        <p:nvPr/>
+      </p:nvGrpSpPr>
+      <p:grpSpPr>
+        <a:xfrm>
+          <a:off x="0" y="0"/>
+          <a:ext cx="0" cy="0"/>
+          <a:chOff x="0" y="0"/>
+          <a:chExt cx="0" cy="0"/>
+        </a:xfrm>
+      </p:grpSpPr>
+      <p:sp>
+        <p:nvSpPr>
+          <p:cNvPr id="8" name="Titre 1"/>
+          <p:cNvSpPr>
+            <a:spLocks noGrp="1"/>
+          </p:cNvSpPr>
+          <p:nvPr>
+            <p:ph type="title"/>
+          </p:nvPr>
+        </p:nvSpPr>
+        <p:spPr>
+          <a:xfrm>
+            <a:off x="716280" y="0"/>
+            <a:ext cx="10515600" cy="1325563"/>
+          </a:xfrm>
+        </p:spPr>
+        <p:txBody>
+          <a:bodyPr>
+            <a:normAutofit/>
+          </a:bodyPr>
+          <a:lstStyle/>
+          <a:p>
+            <a:r>
+              <a:rPr lang="fr-BE" sz="3600" dirty="0" smtClean="0"/>
+              <a:t>Génération des </a:t>
+            </a:r>
+            <a:r>
+              <a:rPr lang="fr-BE" sz="3600" dirty="0" err="1" smtClean="0"/>
+              <a:t>DAOs</a:t>
+            </a:r>
+            <a:r>
+              <a:rPr lang="fr-BE" sz="3600" dirty="0" smtClean="0"/>
+              <a:t> conceptuels – </a:t>
+            </a:r>
+            <a:r>
+              <a:rPr lang="fr-BE" sz="3600" dirty="0" err="1" smtClean="0"/>
+              <a:t>Delete</a:t>
+            </a:r>
+            <a:endParaRPr lang="fr-BE" sz="3600" dirty="0"/>
+          </a:p>
+        </p:txBody>
+      </p:sp>
+    </p:spTree>
+    <p:extLst>
+      <p:ext uri="{BB962C8B-B14F-4D97-AF65-F5344CB8AC3E}">
+        <p14:creationId xmlns:p14="http://schemas.microsoft.com/office/powerpoint/2010/main" val="4051680736"/>
+      </p:ext>
+    </p:extLst>
+  </p:cSld>
+  <p:clrMapOvr>
+    <a:masterClrMapping/>
+  </p:clrMapOvr>
+  <p:timing>
+    <p:tnLst>
+      <p:par>
+        <p:cTn id="1" dur="indefinite" restart="never" nodeType="tmRoot"/>
+      </p:par>
+    </p:tnLst>
+  </p:timing>
+</p:sld>
+</file>
+
 <file path=ppt/slides/slide3.xml><?xml version="1.0" encoding="utf-8"?>
 <p:sld xmlns:a="http://schemas.openxmlformats.org/drawingml/2006/main" xmlns:r="http://schemas.openxmlformats.org/officeDocument/2006/relationships" xmlns:p="http://schemas.openxmlformats.org/presentationml/2006/main">
   <p:cSld>
